--- a/.readme/images.pptx
+++ b/.readme/images.pptx
@@ -104,6 +104,11 @@
       </a:defRPr>
     </a:lvl9pPr>
   </p:defaultTextStyle>
+  <p:extLst>
+    <p:ext uri="{EFAFB233-063F-42B5-8137-9DF3F51BA10A}">
+      <p15:sldGuideLst xmlns:p15="http://schemas.microsoft.com/office/powerpoint/2012/main"/>
+    </p:ext>
+  </p:extLst>
 </p:presentation>
 </file>
 
@@ -3335,8 +3340,8 @@
         </p:nvGrpSpPr>
         <p:grpSpPr>
           <a:xfrm>
-            <a:off x="3542219" y="3636965"/>
-            <a:ext cx="3809494" cy="1105965"/>
+            <a:off x="3142223" y="3520838"/>
+            <a:ext cx="4609487" cy="1338218"/>
             <a:chOff x="3542219" y="3636965"/>
             <a:chExt cx="3809494" cy="1105965"/>
           </a:xfrm>
@@ -3398,7 +3403,7 @@
             <a:p>
               <a:pPr algn="ctr"/>
               <a:r>
-                <a:rPr lang="en-US" altLang="ko-KR" sz="1100" dirty="0">
+                <a:rPr lang="en-US" altLang="ko-KR" sz="1400" dirty="0">
                   <a:ln>
                     <a:solidFill>
                       <a:schemeClr val="accent1">
@@ -3412,7 +3417,7 @@
                 </a:rPr>
                 <a:t>JsonCodec</a:t>
               </a:r>
-              <a:endParaRPr lang="ko-KR" altLang="en-US" sz="1100" dirty="0">
+              <a:endParaRPr lang="ko-KR" altLang="en-US" sz="1400" dirty="0">
                 <a:ln>
                   <a:solidFill>
                     <a:schemeClr val="accent1">
@@ -3493,7 +3498,7 @@
             <a:p>
               <a:pPr algn="ctr"/>
               <a:r>
-                <a:rPr lang="en-US" altLang="ko-KR" sz="800" dirty="0">
+                <a:rPr lang="en-US" altLang="ko-KR" sz="1000" dirty="0">
                   <a:ln>
                     <a:solidFill>
                       <a:schemeClr val="accent1">
@@ -3512,7 +3517,7 @@
                 </a:rPr>
                 <a:t>JSON</a:t>
               </a:r>
-              <a:endParaRPr lang="ko-KR" altLang="en-US" sz="800" dirty="0">
+              <a:endParaRPr lang="ko-KR" altLang="en-US" sz="1000" dirty="0">
                 <a:ln>
                   <a:solidFill>
                     <a:schemeClr val="accent1">
@@ -3589,7 +3594,7 @@
             <a:p>
               <a:pPr algn="ctr"/>
               <a:r>
-                <a:rPr lang="en-US" altLang="ko-KR" sz="1100" dirty="0">
+                <a:rPr lang="en-US" altLang="ko-KR" sz="1400" dirty="0">
                   <a:ln>
                     <a:solidFill>
                       <a:schemeClr val="accent1">
@@ -3603,7 +3608,7 @@
                 </a:rPr>
                 <a:t>DenseCodec</a:t>
               </a:r>
-              <a:endParaRPr lang="ko-KR" altLang="en-US" sz="1100" dirty="0">
+              <a:endParaRPr lang="ko-KR" altLang="en-US" sz="1400" dirty="0">
                 <a:ln>
                   <a:solidFill>
                     <a:schemeClr val="accent1">
@@ -3684,7 +3689,7 @@
             <a:p>
               <a:pPr algn="ctr"/>
               <a:r>
-                <a:rPr lang="en-US" altLang="ko-KR" sz="800" dirty="0">
+                <a:rPr lang="en-US" altLang="ko-KR" sz="1000" dirty="0">
                   <a:ln>
                     <a:solidFill>
                       <a:schemeClr val="accent1">
@@ -3703,7 +3708,7 @@
                 </a:rPr>
                 <a:t>BINARY</a:t>
               </a:r>
-              <a:endParaRPr lang="ko-KR" altLang="en-US" sz="800" dirty="0">
+              <a:endParaRPr lang="ko-KR" altLang="en-US" sz="1000" dirty="0">
                 <a:ln>
                   <a:solidFill>
                     <a:schemeClr val="accent1">
@@ -3780,7 +3785,7 @@
             <a:p>
               <a:pPr algn="ctr"/>
               <a:r>
-                <a:rPr lang="en-US" altLang="ko-KR" sz="1000" dirty="0">
+                <a:rPr lang="en-US" altLang="ko-KR" sz="1100" dirty="0">
                   <a:ln>
                     <a:solidFill>
                       <a:schemeClr val="accent1">
@@ -3799,7 +3804,7 @@
                 </a:rPr>
                 <a:t>OpackValue</a:t>
               </a:r>
-              <a:endParaRPr lang="ko-KR" altLang="en-US" sz="1000" dirty="0">
+              <a:endParaRPr lang="ko-KR" altLang="en-US" sz="1100" dirty="0">
                 <a:ln>
                   <a:solidFill>
                     <a:schemeClr val="accent1">
@@ -4074,7 +4079,7 @@
             <a:p>
               <a:pPr algn="ctr"/>
               <a:r>
-                <a:rPr lang="en-US" altLang="ko-KR" sz="800" dirty="0">
+                <a:rPr lang="en-US" altLang="ko-KR" sz="1000" dirty="0">
                   <a:ln>
                     <a:solidFill>
                       <a:srgbClr val="7F7F7F">
@@ -4093,7 +4098,7 @@
                 </a:rPr>
                 <a:t>Encode/Decode</a:t>
               </a:r>
-              <a:endParaRPr lang="ko-KR" altLang="en-US" sz="800" dirty="0">
+              <a:endParaRPr lang="ko-KR" altLang="en-US" sz="1000" dirty="0">
                 <a:ln>
                   <a:solidFill>
                     <a:srgbClr val="7F7F7F">
@@ -4128,8 +4133,8 @@
         </p:nvGrpSpPr>
         <p:grpSpPr>
           <a:xfrm>
-            <a:off x="3542220" y="2104782"/>
-            <a:ext cx="3809494" cy="1093342"/>
+            <a:off x="2008368" y="1438616"/>
+            <a:ext cx="4609487" cy="1322944"/>
             <a:chOff x="3542220" y="2104782"/>
             <a:chExt cx="3809494" cy="1093342"/>
           </a:xfrm>
@@ -4195,7 +4200,7 @@
             <a:p>
               <a:pPr algn="ctr"/>
               <a:r>
-                <a:rPr lang="en-US" altLang="ko-KR" sz="1000" dirty="0">
+                <a:rPr lang="en-US" altLang="ko-KR" sz="1100" dirty="0">
                   <a:ln>
                     <a:solidFill>
                       <a:schemeClr val="accent1">
@@ -4214,7 +4219,7 @@
                 </a:rPr>
                 <a:t>Java Objects</a:t>
               </a:r>
-              <a:endParaRPr lang="ko-KR" altLang="en-US" sz="1000" dirty="0">
+              <a:endParaRPr lang="ko-KR" altLang="en-US" sz="1100" dirty="0">
                 <a:ln>
                   <a:solidFill>
                     <a:schemeClr val="accent1">
@@ -4341,7 +4346,7 @@
             <a:p>
               <a:pPr algn="ctr"/>
               <a:r>
-                <a:rPr lang="en-US" altLang="ko-KR" sz="1000" dirty="0">
+                <a:rPr lang="en-US" altLang="ko-KR" sz="1100" dirty="0">
                   <a:ln>
                     <a:solidFill>
                       <a:schemeClr val="accent1">
@@ -4360,7 +4365,7 @@
                 </a:rPr>
                 <a:t>OpackValue</a:t>
               </a:r>
-              <a:endParaRPr lang="ko-KR" altLang="en-US" sz="1000" dirty="0">
+              <a:endParaRPr lang="ko-KR" altLang="en-US" sz="1100" dirty="0">
                 <a:ln>
                   <a:solidFill>
                     <a:schemeClr val="accent1">
@@ -4400,7 +4405,9 @@
             <a:prstGeom prst="rect">
               <a:avLst/>
             </a:prstGeom>
-            <a:noFill/>
+            <a:solidFill>
+              <a:schemeClr val="bg1"/>
+            </a:solidFill>
             <a:ln w="12700">
               <a:solidFill>
                 <a:srgbClr val="79BFF5"/>
@@ -4429,7 +4436,7 @@
             <a:p>
               <a:pPr algn="ctr"/>
               <a:r>
-                <a:rPr lang="en-US" altLang="ko-KR" sz="800" dirty="0">
+                <a:rPr lang="en-US" altLang="ko-KR" sz="1000" dirty="0">
                   <a:ln>
                     <a:solidFill>
                       <a:schemeClr val="accent1">
@@ -4448,7 +4455,7 @@
                 </a:rPr>
                 <a:t>OpackObject</a:t>
               </a:r>
-              <a:endParaRPr lang="ko-KR" altLang="en-US" sz="800" dirty="0">
+              <a:endParaRPr lang="ko-KR" altLang="en-US" sz="1000" dirty="0">
                 <a:ln>
                   <a:solidFill>
                     <a:schemeClr val="accent1">
@@ -4488,7 +4495,9 @@
             <a:prstGeom prst="rect">
               <a:avLst/>
             </a:prstGeom>
-            <a:noFill/>
+            <a:solidFill>
+              <a:schemeClr val="bg1"/>
+            </a:solidFill>
             <a:ln w="12700">
               <a:solidFill>
                 <a:srgbClr val="79BFF5"/>
@@ -4517,7 +4526,7 @@
             <a:p>
               <a:pPr algn="ctr"/>
               <a:r>
-                <a:rPr lang="en-US" altLang="ko-KR" sz="800" dirty="0">
+                <a:rPr lang="en-US" altLang="ko-KR" sz="1000" dirty="0">
                   <a:ln>
                     <a:solidFill>
                       <a:schemeClr val="accent1">
@@ -4536,7 +4545,7 @@
                 </a:rPr>
                 <a:t>OpackArray</a:t>
               </a:r>
-              <a:endParaRPr lang="ko-KR" altLang="en-US" sz="800" dirty="0">
+              <a:endParaRPr lang="ko-KR" altLang="en-US" sz="1000" dirty="0">
                 <a:ln>
                   <a:solidFill>
                     <a:schemeClr val="accent1">
@@ -4613,7 +4622,7 @@
             <a:p>
               <a:pPr algn="ctr"/>
               <a:r>
-                <a:rPr lang="en-US" altLang="ko-KR" sz="1100" dirty="0">
+                <a:rPr lang="en-US" altLang="ko-KR" sz="1400" dirty="0">
                   <a:ln>
                     <a:solidFill>
                       <a:schemeClr val="accent1">
@@ -4627,7 +4636,7 @@
                 </a:rPr>
                 <a:t>Opacker</a:t>
               </a:r>
-              <a:endParaRPr lang="ko-KR" altLang="en-US" sz="1100" dirty="0">
+              <a:endParaRPr lang="ko-KR" altLang="en-US" sz="1400" dirty="0">
                 <a:ln>
                   <a:solidFill>
                     <a:schemeClr val="accent1">
@@ -4693,7 +4702,7 @@
             <a:p>
               <a:pPr algn="ctr"/>
               <a:r>
-                <a:rPr lang="en-US" altLang="ko-KR" sz="800" dirty="0">
+                <a:rPr lang="en-US" altLang="ko-KR" sz="1000" dirty="0">
                   <a:ln>
                     <a:solidFill>
                       <a:srgbClr val="7F7F7F">
@@ -4712,7 +4721,7 @@
                 </a:rPr>
                 <a:t>Serialize/Deserialize</a:t>
               </a:r>
-              <a:endParaRPr lang="ko-KR" altLang="en-US" sz="800" dirty="0">
+              <a:endParaRPr lang="ko-KR" altLang="en-US" sz="1000" dirty="0">
                 <a:ln>
                   <a:solidFill>
                     <a:srgbClr val="7F7F7F">

--- a/.readme/images.pptx
+++ b/.readme/images.pptx
@@ -3403,7 +3403,7 @@
             <a:p>
               <a:pPr algn="ctr"/>
               <a:r>
-                <a:rPr lang="en-US" altLang="ko-KR" sz="1400" dirty="0">
+                <a:rPr lang="en-US" altLang="ko-KR" sz="1200" dirty="0">
                   <a:ln>
                     <a:solidFill>
                       <a:schemeClr val="accent1">
@@ -3412,12 +3412,12 @@
                       </a:schemeClr>
                     </a:solidFill>
                   </a:ln>
-                  <a:latin typeface="Noto Sans KR" panose="020B0500000000000000" pitchFamily="34" charset="-127"/>
-                  <a:ea typeface="Noto Sans KR" panose="020B0500000000000000" pitchFamily="34" charset="-127"/>
+                  <a:latin typeface="Noto Sans KR Medium" panose="020B0600000000000000" pitchFamily="34" charset="-127"/>
+                  <a:ea typeface="Noto Sans KR Medium" panose="020B0600000000000000" pitchFamily="34" charset="-127"/>
                 </a:rPr>
                 <a:t>JsonCodec</a:t>
               </a:r>
-              <a:endParaRPr lang="ko-KR" altLang="en-US" sz="1400" dirty="0">
+              <a:endParaRPr lang="ko-KR" altLang="en-US" sz="1200" dirty="0">
                 <a:ln>
                   <a:solidFill>
                     <a:schemeClr val="accent1">
@@ -3426,8 +3426,8 @@
                     </a:schemeClr>
                   </a:solidFill>
                 </a:ln>
-                <a:latin typeface="Noto Sans KR" panose="020B0500000000000000" pitchFamily="34" charset="-127"/>
-                <a:ea typeface="Noto Sans KR" panose="020B0500000000000000" pitchFamily="34" charset="-127"/>
+                <a:latin typeface="Noto Sans KR Medium" panose="020B0600000000000000" pitchFamily="34" charset="-127"/>
+                <a:ea typeface="Noto Sans KR Medium" panose="020B0600000000000000" pitchFamily="34" charset="-127"/>
               </a:endParaRPr>
             </a:p>
           </p:txBody>
@@ -3594,7 +3594,7 @@
             <a:p>
               <a:pPr algn="ctr"/>
               <a:r>
-                <a:rPr lang="en-US" altLang="ko-KR" sz="1400" dirty="0">
+                <a:rPr lang="en-US" altLang="ko-KR" sz="1200" dirty="0">
                   <a:ln>
                     <a:solidFill>
                       <a:schemeClr val="accent1">
@@ -3603,12 +3603,12 @@
                       </a:schemeClr>
                     </a:solidFill>
                   </a:ln>
-                  <a:latin typeface="Noto Sans KR" panose="020B0500000000000000" pitchFamily="34" charset="-127"/>
-                  <a:ea typeface="Noto Sans KR" panose="020B0500000000000000" pitchFamily="34" charset="-127"/>
+                  <a:latin typeface="Noto Sans KR Medium" panose="020B0600000000000000" pitchFamily="34" charset="-127"/>
+                  <a:ea typeface="Noto Sans KR Medium" panose="020B0600000000000000" pitchFamily="34" charset="-127"/>
                 </a:rPr>
                 <a:t>DenseCodec</a:t>
               </a:r>
-              <a:endParaRPr lang="ko-KR" altLang="en-US" sz="1400" dirty="0">
+              <a:endParaRPr lang="ko-KR" altLang="en-US" sz="1200" dirty="0">
                 <a:ln>
                   <a:solidFill>
                     <a:schemeClr val="accent1">
@@ -3617,8 +3617,8 @@
                     </a:schemeClr>
                   </a:solidFill>
                 </a:ln>
-                <a:latin typeface="Noto Sans KR" panose="020B0500000000000000" pitchFamily="34" charset="-127"/>
-                <a:ea typeface="Noto Sans KR" panose="020B0500000000000000" pitchFamily="34" charset="-127"/>
+                <a:latin typeface="Noto Sans KR Medium" panose="020B0600000000000000" pitchFamily="34" charset="-127"/>
+                <a:ea typeface="Noto Sans KR Medium" panose="020B0600000000000000" pitchFamily="34" charset="-127"/>
               </a:endParaRPr>
             </a:p>
           </p:txBody>
@@ -4622,7 +4622,7 @@
             <a:p>
               <a:pPr algn="ctr"/>
               <a:r>
-                <a:rPr lang="en-US" altLang="ko-KR" sz="1400" dirty="0">
+                <a:rPr lang="en-US" altLang="ko-KR" sz="1200" dirty="0">
                   <a:ln>
                     <a:solidFill>
                       <a:schemeClr val="accent1">
@@ -4631,12 +4631,12 @@
                       </a:schemeClr>
                     </a:solidFill>
                   </a:ln>
-                  <a:latin typeface="Noto Sans KR" panose="020B0500000000000000" pitchFamily="34" charset="-127"/>
-                  <a:ea typeface="Noto Sans KR" panose="020B0500000000000000" pitchFamily="34" charset="-127"/>
+                  <a:latin typeface="Noto Sans KR Medium" panose="020B0600000000000000" pitchFamily="34" charset="-127"/>
+                  <a:ea typeface="Noto Sans KR Medium" panose="020B0600000000000000" pitchFamily="34" charset="-127"/>
                 </a:rPr>
                 <a:t>Opacker</a:t>
               </a:r>
-              <a:endParaRPr lang="ko-KR" altLang="en-US" sz="1400" dirty="0">
+              <a:endParaRPr lang="ko-KR" altLang="en-US" sz="1200" dirty="0">
                 <a:ln>
                   <a:solidFill>
                     <a:schemeClr val="accent1">
@@ -4645,8 +4645,8 @@
                     </a:schemeClr>
                   </a:solidFill>
                 </a:ln>
-                <a:latin typeface="Noto Sans KR" panose="020B0500000000000000" pitchFamily="34" charset="-127"/>
-                <a:ea typeface="Noto Sans KR" panose="020B0500000000000000" pitchFamily="34" charset="-127"/>
+                <a:latin typeface="Noto Sans KR Medium" panose="020B0600000000000000" pitchFamily="34" charset="-127"/>
+                <a:ea typeface="Noto Sans KR Medium" panose="020B0600000000000000" pitchFamily="34" charset="-127"/>
               </a:endParaRPr>
             </a:p>
           </p:txBody>
